--- a/2. Core Java/Day 9/Slides/7. IDE Integration/ide-integration-slides.pptx
+++ b/2. Core Java/Day 9/Slides/7. IDE Integration/ide-integration-slides.pptx
@@ -4623,28 +4623,6 @@
           </a:p>
         </p:txBody>
       </p:sp>
-      <p:pic>
-        <p:nvPicPr>
-          <p:cNvPr id="4" name="object 4"/>
-          <p:cNvPicPr/>
-          <p:nvPr/>
-        </p:nvPicPr>
-        <p:blipFill>
-          <a:blip r:embed="rId1" cstate="print"/>
-          <a:stretch>
-            <a:fillRect/>
-          </a:stretch>
-        </p:blipFill>
-        <p:spPr>
-          <a:xfrm>
-            <a:off x="4743450" y="4489533"/>
-            <a:ext cx="6718300" cy="3568700"/>
-          </a:xfrm>
-          <a:prstGeom prst="rect">
-            <a:avLst/>
-          </a:prstGeom>
-        </p:spPr>
-      </p:pic>
       <p:sp>
         <p:nvSpPr>
           <p:cNvPr id="5" name="Slide Number Placeholder 4"/>
@@ -4666,6 +4644,30 @@
           </a:p>
         </p:txBody>
       </p:sp>
+      <p:pic>
+        <p:nvPicPr>
+          <p:cNvPr id="6" name="Picture 5"/>
+          <p:cNvPicPr>
+            <a:picLocks noChangeAspect="1"/>
+          </p:cNvPicPr>
+          <p:nvPr/>
+        </p:nvPicPr>
+        <p:blipFill>
+          <a:blip r:embed="rId1"/>
+          <a:stretch>
+            <a:fillRect/>
+          </a:stretch>
+        </p:blipFill>
+        <p:spPr>
+          <a:xfrm>
+            <a:off x="5156200" y="2817495"/>
+            <a:ext cx="10477500" cy="5686425"/>
+          </a:xfrm>
+          <a:prstGeom prst="rect">
+            <a:avLst/>
+          </a:prstGeom>
+        </p:spPr>
+      </p:pic>
     </p:spTree>
   </p:cSld>
   <p:clrMapOvr>
